--- a/Bulut Bilişım Sunum.pptx
+++ b/Bulut Bilişım Sunum.pptx
@@ -5,7 +5,7 @@
     <p:sldMasterId id="2147483755" r:id="rId1"/>
   </p:sldMasterIdLst>
   <p:notesMasterIdLst>
-    <p:notesMasterId r:id="rId10"/>
+    <p:notesMasterId r:id="rId11"/>
   </p:notesMasterIdLst>
   <p:sldIdLst>
     <p:sldId id="256" r:id="rId2"/>
@@ -16,6 +16,7 @@
     <p:sldId id="269" r:id="rId7"/>
     <p:sldId id="270" r:id="rId8"/>
     <p:sldId id="271" r:id="rId9"/>
+    <p:sldId id="272" r:id="rId10"/>
   </p:sldIdLst>
   <p:sldSz cx="12192000" cy="6858000"/>
   <p:notesSz cx="6858000" cy="9144000"/>
@@ -127,6 +128,7 @@
             <p14:sldId id="269"/>
             <p14:sldId id="270"/>
             <p14:sldId id="271"/>
+            <p14:sldId id="272"/>
           </p14:sldIdLst>
         </p14:section>
       </p14:sectionLst>
@@ -9693,6 +9695,138 @@
 </p:sld>
 </file>
 
+<file path=ppt/slides/slide9.xml><?xml version="1.0" encoding="utf-8"?>
+<p:sld xmlns:a="http://schemas.openxmlformats.org/drawingml/2006/main" xmlns:r="http://schemas.openxmlformats.org/officeDocument/2006/relationships" xmlns:p="http://schemas.openxmlformats.org/presentationml/2006/main">
+  <p:cSld>
+    <p:spTree>
+      <p:nvGrpSpPr>
+        <p:cNvPr id="1" name=""/>
+        <p:cNvGrpSpPr/>
+        <p:nvPr/>
+      </p:nvGrpSpPr>
+      <p:grpSpPr>
+        <a:xfrm>
+          <a:off x="0" y="0"/>
+          <a:ext cx="0" cy="0"/>
+          <a:chOff x="0" y="0"/>
+          <a:chExt cx="0" cy="0"/>
+        </a:xfrm>
+      </p:grpSpPr>
+      <p:sp>
+        <p:nvSpPr>
+          <p:cNvPr id="2" name="Başlık 1">
+            <a:extLst>
+              <a:ext uri="{FF2B5EF4-FFF2-40B4-BE49-F238E27FC236}">
+                <a16:creationId xmlns:a16="http://schemas.microsoft.com/office/drawing/2014/main" id="{6F5A5AD1-827B-49D0-BDE1-02FE69356C46}"/>
+              </a:ext>
+            </a:extLst>
+          </p:cNvPr>
+          <p:cNvSpPr>
+            <a:spLocks noGrp="1"/>
+          </p:cNvSpPr>
+          <p:nvPr>
+            <p:ph type="title"/>
+          </p:nvPr>
+        </p:nvSpPr>
+        <p:spPr>
+          <a:xfrm>
+            <a:off x="3800900" y="685800"/>
+            <a:ext cx="7171899" cy="726743"/>
+          </a:xfrm>
+        </p:spPr>
+        <p:txBody>
+          <a:bodyPr/>
+          <a:lstStyle/>
+          <a:p>
+            <a:r>
+              <a:rPr lang="en-US" dirty="0"/>
+              <a:t>Web </a:t>
+            </a:r>
+            <a:r>
+              <a:rPr lang="en-US" dirty="0" err="1"/>
+              <a:t>aray</a:t>
+            </a:r>
+            <a:r>
+              <a:rPr lang="tr-TR" dirty="0" err="1"/>
+              <a:t>üzü</a:t>
+            </a:r>
+            <a:endParaRPr lang="tr-TR" dirty="0"/>
+          </a:p>
+        </p:txBody>
+      </p:sp>
+      <p:pic>
+        <p:nvPicPr>
+          <p:cNvPr id="5" name="Resim 4">
+            <a:extLst>
+              <a:ext uri="{FF2B5EF4-FFF2-40B4-BE49-F238E27FC236}">
+                <a16:creationId xmlns:a16="http://schemas.microsoft.com/office/drawing/2014/main" id="{D17B089F-95FA-D7E1-73F3-5F6161EFD8FF}"/>
+              </a:ext>
+            </a:extLst>
+          </p:cNvPr>
+          <p:cNvPicPr>
+            <a:picLocks noChangeAspect="1"/>
+          </p:cNvPicPr>
+          <p:nvPr/>
+        </p:nvPicPr>
+        <p:blipFill>
+          <a:blip r:embed="rId2"/>
+          <a:stretch>
+            <a:fillRect/>
+          </a:stretch>
+        </p:blipFill>
+        <p:spPr>
+          <a:xfrm>
+            <a:off x="2628427" y="1958453"/>
+            <a:ext cx="8867537" cy="4312021"/>
+          </a:xfrm>
+          <a:prstGeom prst="rect">
+            <a:avLst/>
+          </a:prstGeom>
+        </p:spPr>
+      </p:pic>
+      <p:pic>
+        <p:nvPicPr>
+          <p:cNvPr id="6" name="Resim 5">
+            <a:extLst>
+              <a:ext uri="{FF2B5EF4-FFF2-40B4-BE49-F238E27FC236}">
+                <a16:creationId xmlns:a16="http://schemas.microsoft.com/office/drawing/2014/main" id="{9E2A4AC0-062B-B05C-97E1-F10E5880ADBE}"/>
+              </a:ext>
+            </a:extLst>
+          </p:cNvPr>
+          <p:cNvPicPr>
+            <a:picLocks noChangeAspect="1"/>
+          </p:cNvPicPr>
+          <p:nvPr/>
+        </p:nvPicPr>
+        <p:blipFill>
+          <a:blip r:embed="rId3"/>
+          <a:stretch>
+            <a:fillRect/>
+          </a:stretch>
+        </p:blipFill>
+        <p:spPr>
+          <a:xfrm>
+            <a:off x="0" y="0"/>
+            <a:ext cx="2003849" cy="6858000"/>
+          </a:xfrm>
+          <a:prstGeom prst="rect">
+            <a:avLst/>
+          </a:prstGeom>
+        </p:spPr>
+      </p:pic>
+    </p:spTree>
+    <p:extLst>
+      <p:ext uri="{BB962C8B-B14F-4D97-AF65-F5344CB8AC3E}">
+        <p14:creationId xmlns:p14="http://schemas.microsoft.com/office/powerpoint/2010/main" val="2917511255"/>
+      </p:ext>
+    </p:extLst>
+  </p:cSld>
+  <p:clrMapOvr>
+    <a:masterClrMapping/>
+  </p:clrMapOvr>
+</p:sld>
+</file>
+
 <file path=ppt/theme/theme1.xml><?xml version="1.0" encoding="utf-8"?>
 <a:theme xmlns:a="http://schemas.openxmlformats.org/drawingml/2006/main" name="Crop">
   <a:themeElements>
